--- a/notes.pptx
+++ b/notes.pptx
@@ -7,6 +7,7 @@
   <p:sldIdLst>
     <p:sldId id="256" r:id="rId2"/>
     <p:sldId id="257" r:id="rId3"/>
+    <p:sldId id="258" r:id="rId4"/>
   </p:sldIdLst>
   <p:sldSz cx="12192000" cy="6858000"/>
   <p:notesSz cx="6858000" cy="9144000"/>
@@ -105,6 +106,11 @@
       </a:defRPr>
     </a:lvl9pPr>
   </p:defaultTextStyle>
+  <p:extLst>
+    <p:ext uri="{EFAFB233-063F-42B5-8137-9DF3F51BA10A}">
+      <p15:sldGuideLst xmlns:p15="http://schemas.microsoft.com/office/powerpoint/2012/main"/>
+    </p:ext>
+  </p:extLst>
 </p:presentation>
 </file>
 
@@ -255,7 +261,7 @@
           <a:p>
             <a:fld id="{C3BBB94B-D8C7-45FA-9CB3-68D275B17CB7}" type="datetimeFigureOut">
               <a:rPr lang="en-US" smtClean="0"/>
-              <a:t>6/9/2022</a:t>
+              <a:t>6/10/2022</a:t>
             </a:fld>
             <a:endParaRPr lang="en-US"/>
           </a:p>
@@ -453,7 +459,7 @@
           <a:p>
             <a:fld id="{C3BBB94B-D8C7-45FA-9CB3-68D275B17CB7}" type="datetimeFigureOut">
               <a:rPr lang="en-US" smtClean="0"/>
-              <a:t>6/9/2022</a:t>
+              <a:t>6/10/2022</a:t>
             </a:fld>
             <a:endParaRPr lang="en-US"/>
           </a:p>
@@ -661,7 +667,7 @@
           <a:p>
             <a:fld id="{C3BBB94B-D8C7-45FA-9CB3-68D275B17CB7}" type="datetimeFigureOut">
               <a:rPr lang="en-US" smtClean="0"/>
-              <a:t>6/9/2022</a:t>
+              <a:t>6/10/2022</a:t>
             </a:fld>
             <a:endParaRPr lang="en-US"/>
           </a:p>
@@ -859,7 +865,7 @@
           <a:p>
             <a:fld id="{C3BBB94B-D8C7-45FA-9CB3-68D275B17CB7}" type="datetimeFigureOut">
               <a:rPr lang="en-US" smtClean="0"/>
-              <a:t>6/9/2022</a:t>
+              <a:t>6/10/2022</a:t>
             </a:fld>
             <a:endParaRPr lang="en-US"/>
           </a:p>
@@ -1134,7 +1140,7 @@
           <a:p>
             <a:fld id="{C3BBB94B-D8C7-45FA-9CB3-68D275B17CB7}" type="datetimeFigureOut">
               <a:rPr lang="en-US" smtClean="0"/>
-              <a:t>6/9/2022</a:t>
+              <a:t>6/10/2022</a:t>
             </a:fld>
             <a:endParaRPr lang="en-US"/>
           </a:p>
@@ -1399,7 +1405,7 @@
           <a:p>
             <a:fld id="{C3BBB94B-D8C7-45FA-9CB3-68D275B17CB7}" type="datetimeFigureOut">
               <a:rPr lang="en-US" smtClean="0"/>
-              <a:t>6/9/2022</a:t>
+              <a:t>6/10/2022</a:t>
             </a:fld>
             <a:endParaRPr lang="en-US"/>
           </a:p>
@@ -1811,7 +1817,7 @@
           <a:p>
             <a:fld id="{C3BBB94B-D8C7-45FA-9CB3-68D275B17CB7}" type="datetimeFigureOut">
               <a:rPr lang="en-US" smtClean="0"/>
-              <a:t>6/9/2022</a:t>
+              <a:t>6/10/2022</a:t>
             </a:fld>
             <a:endParaRPr lang="en-US"/>
           </a:p>
@@ -1952,7 +1958,7 @@
           <a:p>
             <a:fld id="{C3BBB94B-D8C7-45FA-9CB3-68D275B17CB7}" type="datetimeFigureOut">
               <a:rPr lang="en-US" smtClean="0"/>
-              <a:t>6/9/2022</a:t>
+              <a:t>6/10/2022</a:t>
             </a:fld>
             <a:endParaRPr lang="en-US"/>
           </a:p>
@@ -2065,7 +2071,7 @@
           <a:p>
             <a:fld id="{C3BBB94B-D8C7-45FA-9CB3-68D275B17CB7}" type="datetimeFigureOut">
               <a:rPr lang="en-US" smtClean="0"/>
-              <a:t>6/9/2022</a:t>
+              <a:t>6/10/2022</a:t>
             </a:fld>
             <a:endParaRPr lang="en-US"/>
           </a:p>
@@ -2376,7 +2382,7 @@
           <a:p>
             <a:fld id="{C3BBB94B-D8C7-45FA-9CB3-68D275B17CB7}" type="datetimeFigureOut">
               <a:rPr lang="en-US" smtClean="0"/>
-              <a:t>6/9/2022</a:t>
+              <a:t>6/10/2022</a:t>
             </a:fld>
             <a:endParaRPr lang="en-US"/>
           </a:p>
@@ -2664,7 +2670,7 @@
           <a:p>
             <a:fld id="{C3BBB94B-D8C7-45FA-9CB3-68D275B17CB7}" type="datetimeFigureOut">
               <a:rPr lang="en-US" smtClean="0"/>
-              <a:t>6/9/2022</a:t>
+              <a:t>6/10/2022</a:t>
             </a:fld>
             <a:endParaRPr lang="en-US"/>
           </a:p>
@@ -2905,7 +2911,7 @@
           <a:p>
             <a:fld id="{C3BBB94B-D8C7-45FA-9CB3-68D275B17CB7}" type="datetimeFigureOut">
               <a:rPr lang="en-US" smtClean="0"/>
-              <a:t>6/9/2022</a:t>
+              <a:t>6/10/2022</a:t>
             </a:fld>
             <a:endParaRPr lang="en-US"/>
           </a:p>
@@ -3464,115 +3470,8 @@
         </p:blipFill>
         <p:spPr>
           <a:xfrm>
-            <a:off x="103939" y="127993"/>
-            <a:ext cx="3100655" cy="2247852"/>
-          </a:xfrm>
-          <a:prstGeom prst="rect">
-            <a:avLst/>
-          </a:prstGeom>
-        </p:spPr>
-      </p:pic>
-      <p:sp>
-        <p:nvSpPr>
-          <p:cNvPr id="9" name="TextBox 8">
-            <a:extLst>
-              <a:ext uri="{FF2B5EF4-FFF2-40B4-BE49-F238E27FC236}">
-                <a16:creationId xmlns:a16="http://schemas.microsoft.com/office/drawing/2014/main" id="{D2A79016-D494-9A12-A7A0-2073F1D06730}"/>
-              </a:ext>
-            </a:extLst>
-          </p:cNvPr>
-          <p:cNvSpPr txBox="1"/>
-          <p:nvPr/>
-        </p:nvSpPr>
-        <p:spPr>
-          <a:xfrm>
-            <a:off x="3778621" y="127993"/>
-            <a:ext cx="3393966" cy="2031325"/>
-          </a:xfrm>
-          <a:prstGeom prst="rect">
-            <a:avLst/>
-          </a:prstGeom>
-          <a:noFill/>
-        </p:spPr>
-        <p:txBody>
-          <a:bodyPr wrap="square">
-            <a:spAutoFit/>
-          </a:bodyPr>
-          <a:lstStyle/>
-          <a:p>
-            <a:r>
-              <a:rPr lang="en-US" dirty="0"/>
-              <a:t>y</a:t>
-            </a:r>
-          </a:p>
-          <a:p>
-            <a:r>
-              <a:rPr lang="en-US" dirty="0"/>
-              <a:t>0 -     [[0.0097191  0.00372929]</a:t>
-            </a:r>
-          </a:p>
-          <a:p>
-            <a:r>
-              <a:rPr lang="en-US" dirty="0"/>
-              <a:t>1 -     [0.0020373  0.00127996]</a:t>
-            </a:r>
-          </a:p>
-          <a:p>
-            <a:r>
-              <a:rPr lang="en-US" dirty="0"/>
-              <a:t>2 -     [0.00869968 0.00447521]</a:t>
-            </a:r>
-          </a:p>
-          <a:p>
-            <a:r>
-              <a:rPr lang="en-US" dirty="0"/>
-              <a:t>0, 1 - [0.08562246 0.03154682]</a:t>
-            </a:r>
-          </a:p>
-          <a:p>
-            <a:r>
-              <a:rPr lang="en-US" dirty="0"/>
-              <a:t>0, 2 - [0.08343495 0.03866797]</a:t>
-            </a:r>
-          </a:p>
-          <a:p>
-            <a:r>
-              <a:rPr lang="en-US" dirty="0"/>
-              <a:t>1, 2 - [0.07861366 0.03703504]]</a:t>
-            </a:r>
-          </a:p>
-        </p:txBody>
-      </p:sp>
-      <p:pic>
-        <p:nvPicPr>
-          <p:cNvPr id="11" name="Picture 10" descr="Chart&#10;&#10;Description automatically generated with medium confidence">
-            <a:extLst>
-              <a:ext uri="{FF2B5EF4-FFF2-40B4-BE49-F238E27FC236}">
-                <a16:creationId xmlns:a16="http://schemas.microsoft.com/office/drawing/2014/main" id="{E82443E2-7D59-0484-5049-B6A2999260DB}"/>
-              </a:ext>
-            </a:extLst>
-          </p:cNvPr>
-          <p:cNvPicPr>
-            <a:picLocks noChangeAspect="1"/>
-          </p:cNvPicPr>
-          <p:nvPr/>
-        </p:nvPicPr>
-        <p:blipFill>
-          <a:blip r:embed="rId3">
-            <a:extLst>
-              <a:ext uri="{28A0092B-C50C-407E-A947-70E740481C1C}">
-                <a14:useLocalDpi xmlns:a14="http://schemas.microsoft.com/office/drawing/2010/main" val="0"/>
-              </a:ext>
-            </a:extLst>
-          </a:blip>
-          <a:stretch>
-            <a:fillRect/>
-          </a:stretch>
-        </p:blipFill>
-        <p:spPr>
-          <a:xfrm>
-            <a:off x="103939" y="2375845"/>
-            <a:ext cx="8220247" cy="4354162"/>
+            <a:off x="158086" y="604007"/>
+            <a:ext cx="2879490" cy="2087516"/>
           </a:xfrm>
           <a:prstGeom prst="rect">
             <a:avLst/>
@@ -3594,7 +3493,7 @@
           <p:nvPr/>
         </p:nvPicPr>
         <p:blipFill>
-          <a:blip r:embed="rId4"/>
+          <a:blip r:embed="rId3"/>
           <a:stretch>
             <a:fillRect/>
           </a:stretch>
@@ -3609,10 +3508,376 @@
           </a:prstGeom>
         </p:spPr>
       </p:pic>
+      <p:pic>
+        <p:nvPicPr>
+          <p:cNvPr id="5" name="Picture 4">
+            <a:extLst>
+              <a:ext uri="{FF2B5EF4-FFF2-40B4-BE49-F238E27FC236}">
+                <a16:creationId xmlns:a16="http://schemas.microsoft.com/office/drawing/2014/main" id="{3CE8236D-C597-D1E3-488D-DBEDF7F3B1D2}"/>
+              </a:ext>
+            </a:extLst>
+          </p:cNvPr>
+          <p:cNvPicPr>
+            <a:picLocks noChangeAspect="1"/>
+          </p:cNvPicPr>
+          <p:nvPr/>
+        </p:nvPicPr>
+        <p:blipFill>
+          <a:blip r:embed="rId4"/>
+          <a:stretch>
+            <a:fillRect/>
+          </a:stretch>
+        </p:blipFill>
+        <p:spPr>
+          <a:xfrm>
+            <a:off x="4134740" y="226324"/>
+            <a:ext cx="3259299" cy="2067969"/>
+          </a:xfrm>
+          <a:prstGeom prst="rect">
+            <a:avLst/>
+          </a:prstGeom>
+        </p:spPr>
+      </p:pic>
+      <p:pic>
+        <p:nvPicPr>
+          <p:cNvPr id="8" name="Picture 7">
+            <a:extLst>
+              <a:ext uri="{FF2B5EF4-FFF2-40B4-BE49-F238E27FC236}">
+                <a16:creationId xmlns:a16="http://schemas.microsoft.com/office/drawing/2014/main" id="{4DCB850E-50A4-D2C4-7ECF-7E5C27B4D00A}"/>
+              </a:ext>
+            </a:extLst>
+          </p:cNvPr>
+          <p:cNvPicPr>
+            <a:picLocks noChangeAspect="1"/>
+          </p:cNvPicPr>
+          <p:nvPr/>
+        </p:nvPicPr>
+        <p:blipFill>
+          <a:blip r:embed="rId5"/>
+          <a:stretch>
+            <a:fillRect/>
+          </a:stretch>
+        </p:blipFill>
+        <p:spPr>
+          <a:xfrm>
+            <a:off x="3671085" y="604007"/>
+            <a:ext cx="593311" cy="1704726"/>
+          </a:xfrm>
+          <a:prstGeom prst="rect">
+            <a:avLst/>
+          </a:prstGeom>
+        </p:spPr>
+      </p:pic>
+      <p:pic>
+        <p:nvPicPr>
+          <p:cNvPr id="12" name="Picture 11">
+            <a:extLst>
+              <a:ext uri="{FF2B5EF4-FFF2-40B4-BE49-F238E27FC236}">
+                <a16:creationId xmlns:a16="http://schemas.microsoft.com/office/drawing/2014/main" id="{BAE38CE0-56F8-2F61-F2AC-51E87A18AD69}"/>
+              </a:ext>
+            </a:extLst>
+          </p:cNvPr>
+          <p:cNvPicPr>
+            <a:picLocks noChangeAspect="1"/>
+          </p:cNvPicPr>
+          <p:nvPr/>
+        </p:nvPicPr>
+        <p:blipFill>
+          <a:blip r:embed="rId6"/>
+          <a:stretch>
+            <a:fillRect/>
+          </a:stretch>
+        </p:blipFill>
+        <p:spPr>
+          <a:xfrm>
+            <a:off x="0" y="2747127"/>
+            <a:ext cx="7977930" cy="4028625"/>
+          </a:xfrm>
+          <a:prstGeom prst="rect">
+            <a:avLst/>
+          </a:prstGeom>
+        </p:spPr>
+      </p:pic>
+      <p:sp>
+        <p:nvSpPr>
+          <p:cNvPr id="14" name="Title 1">
+            <a:extLst>
+              <a:ext uri="{FF2B5EF4-FFF2-40B4-BE49-F238E27FC236}">
+                <a16:creationId xmlns:a16="http://schemas.microsoft.com/office/drawing/2014/main" id="{6D4FA1CD-0110-71ED-7BBE-7DD87F7D0FB6}"/>
+              </a:ext>
+            </a:extLst>
+          </p:cNvPr>
+          <p:cNvSpPr>
+            <a:spLocks noGrp="1"/>
+          </p:cNvSpPr>
+          <p:nvPr>
+            <p:ph type="title"/>
+          </p:nvPr>
+        </p:nvSpPr>
+        <p:spPr>
+          <a:xfrm>
+            <a:off x="0" y="67607"/>
+            <a:ext cx="3976382" cy="619967"/>
+          </a:xfrm>
+        </p:spPr>
+        <p:txBody>
+          <a:bodyPr>
+            <a:normAutofit/>
+          </a:bodyPr>
+          <a:lstStyle/>
+          <a:p>
+            <a:r>
+              <a:rPr lang="en-US" sz="2400" dirty="0"/>
+              <a:t>user3</a:t>
+            </a:r>
+            <a:r>
+              <a:rPr lang="ko-KR" altLang="en-US" sz="2400" dirty="0"/>
+              <a:t>ㅅ </a:t>
+            </a:r>
+            <a:r>
+              <a:rPr lang="en-US" altLang="ko-KR" sz="2400" dirty="0"/>
+              <a:t>, resource 2</a:t>
+            </a:r>
+            <a:r>
+              <a:rPr lang="ko-KR" altLang="en-US" sz="2400" dirty="0"/>
+              <a:t>개</a:t>
+            </a:r>
+            <a:endParaRPr lang="en-US" sz="2400" dirty="0"/>
+          </a:p>
+        </p:txBody>
+      </p:sp>
     </p:spTree>
     <p:extLst>
       <p:ext uri="{BB962C8B-B14F-4D97-AF65-F5344CB8AC3E}">
         <p14:creationId xmlns:p14="http://schemas.microsoft.com/office/powerpoint/2010/main" val="2526998827"/>
+      </p:ext>
+    </p:extLst>
+  </p:cSld>
+  <p:clrMapOvr>
+    <a:masterClrMapping/>
+  </p:clrMapOvr>
+</p:sld>
+</file>
+
+<file path=ppt/slides/slide3.xml><?xml version="1.0" encoding="utf-8"?>
+<p:sld xmlns:a="http://schemas.openxmlformats.org/drawingml/2006/main" xmlns:r="http://schemas.openxmlformats.org/officeDocument/2006/relationships" xmlns:p="http://schemas.openxmlformats.org/presentationml/2006/main">
+  <p:cSld>
+    <p:spTree>
+      <p:nvGrpSpPr>
+        <p:cNvPr id="1" name=""/>
+        <p:cNvGrpSpPr/>
+        <p:nvPr/>
+      </p:nvGrpSpPr>
+      <p:grpSpPr>
+        <a:xfrm>
+          <a:off x="0" y="0"/>
+          <a:ext cx="0" cy="0"/>
+          <a:chOff x="0" y="0"/>
+          <a:chExt cx="0" cy="0"/>
+        </a:xfrm>
+      </p:grpSpPr>
+      <p:sp>
+        <p:nvSpPr>
+          <p:cNvPr id="2" name="Title 1">
+            <a:extLst>
+              <a:ext uri="{FF2B5EF4-FFF2-40B4-BE49-F238E27FC236}">
+                <a16:creationId xmlns:a16="http://schemas.microsoft.com/office/drawing/2014/main" id="{94964097-A02E-AFCE-9088-3FC8ED2F1C8D}"/>
+              </a:ext>
+            </a:extLst>
+          </p:cNvPr>
+          <p:cNvSpPr>
+            <a:spLocks noGrp="1"/>
+          </p:cNvSpPr>
+          <p:nvPr>
+            <p:ph type="title"/>
+          </p:nvPr>
+        </p:nvSpPr>
+        <p:spPr>
+          <a:xfrm>
+            <a:off x="0" y="160209"/>
+            <a:ext cx="3976382" cy="619967"/>
+          </a:xfrm>
+        </p:spPr>
+        <p:txBody>
+          <a:bodyPr>
+            <a:normAutofit/>
+          </a:bodyPr>
+          <a:lstStyle/>
+          <a:p>
+            <a:r>
+              <a:rPr lang="en-US" sz="2400" dirty="0"/>
+              <a:t>user3</a:t>
+            </a:r>
+            <a:r>
+              <a:rPr lang="ko-KR" altLang="en-US" sz="2400" dirty="0"/>
+              <a:t>ㅅ </a:t>
+            </a:r>
+            <a:r>
+              <a:rPr lang="en-US" altLang="ko-KR" sz="2400" dirty="0"/>
+              <a:t>, resource 5</a:t>
+            </a:r>
+            <a:r>
+              <a:rPr lang="ko-KR" altLang="en-US" sz="2400" dirty="0"/>
+              <a:t>개</a:t>
+            </a:r>
+            <a:endParaRPr lang="en-US" sz="2400" dirty="0"/>
+          </a:p>
+        </p:txBody>
+      </p:sp>
+      <p:pic>
+        <p:nvPicPr>
+          <p:cNvPr id="6" name="Picture 5">
+            <a:extLst>
+              <a:ext uri="{FF2B5EF4-FFF2-40B4-BE49-F238E27FC236}">
+                <a16:creationId xmlns:a16="http://schemas.microsoft.com/office/drawing/2014/main" id="{E4778549-1C94-5961-9EDE-8C721101F53A}"/>
+              </a:ext>
+            </a:extLst>
+          </p:cNvPr>
+          <p:cNvPicPr>
+            <a:picLocks noChangeAspect="1"/>
+          </p:cNvPicPr>
+          <p:nvPr/>
+        </p:nvPicPr>
+        <p:blipFill>
+          <a:blip r:embed="rId2"/>
+          <a:stretch>
+            <a:fillRect/>
+          </a:stretch>
+        </p:blipFill>
+        <p:spPr>
+          <a:xfrm>
+            <a:off x="285215" y="780176"/>
+            <a:ext cx="3100655" cy="2247852"/>
+          </a:xfrm>
+          <a:prstGeom prst="rect">
+            <a:avLst/>
+          </a:prstGeom>
+        </p:spPr>
+      </p:pic>
+      <p:pic>
+        <p:nvPicPr>
+          <p:cNvPr id="8" name="Picture 7">
+            <a:extLst>
+              <a:ext uri="{FF2B5EF4-FFF2-40B4-BE49-F238E27FC236}">
+                <a16:creationId xmlns:a16="http://schemas.microsoft.com/office/drawing/2014/main" id="{C0844935-5825-9B0A-2055-038C5F027281}"/>
+              </a:ext>
+            </a:extLst>
+          </p:cNvPr>
+          <p:cNvPicPr>
+            <a:picLocks noChangeAspect="1"/>
+          </p:cNvPicPr>
+          <p:nvPr/>
+        </p:nvPicPr>
+        <p:blipFill>
+          <a:blip r:embed="rId3"/>
+          <a:stretch>
+            <a:fillRect/>
+          </a:stretch>
+        </p:blipFill>
+        <p:spPr>
+          <a:xfrm>
+            <a:off x="4111229" y="310394"/>
+            <a:ext cx="6687529" cy="1998696"/>
+          </a:xfrm>
+          <a:prstGeom prst="rect">
+            <a:avLst/>
+          </a:prstGeom>
+        </p:spPr>
+      </p:pic>
+      <p:pic>
+        <p:nvPicPr>
+          <p:cNvPr id="9" name="Picture 8">
+            <a:extLst>
+              <a:ext uri="{FF2B5EF4-FFF2-40B4-BE49-F238E27FC236}">
+                <a16:creationId xmlns:a16="http://schemas.microsoft.com/office/drawing/2014/main" id="{398B0F22-704B-110F-E22C-AB36DADA824C}"/>
+              </a:ext>
+            </a:extLst>
+          </p:cNvPr>
+          <p:cNvPicPr>
+            <a:picLocks noChangeAspect="1"/>
+          </p:cNvPicPr>
+          <p:nvPr/>
+        </p:nvPicPr>
+        <p:blipFill>
+          <a:blip r:embed="rId4"/>
+          <a:stretch>
+            <a:fillRect/>
+          </a:stretch>
+        </p:blipFill>
+        <p:spPr>
+          <a:xfrm>
+            <a:off x="3671085" y="604007"/>
+            <a:ext cx="593311" cy="1704726"/>
+          </a:xfrm>
+          <a:prstGeom prst="rect">
+            <a:avLst/>
+          </a:prstGeom>
+        </p:spPr>
+      </p:pic>
+      <p:pic>
+        <p:nvPicPr>
+          <p:cNvPr id="11" name="Picture 10">
+            <a:extLst>
+              <a:ext uri="{FF2B5EF4-FFF2-40B4-BE49-F238E27FC236}">
+                <a16:creationId xmlns:a16="http://schemas.microsoft.com/office/drawing/2014/main" id="{67712170-852E-58BC-C843-B53CC0122529}"/>
+              </a:ext>
+            </a:extLst>
+          </p:cNvPr>
+          <p:cNvPicPr>
+            <a:picLocks noChangeAspect="1"/>
+          </p:cNvPicPr>
+          <p:nvPr/>
+        </p:nvPicPr>
+        <p:blipFill>
+          <a:blip r:embed="rId5"/>
+          <a:stretch>
+            <a:fillRect/>
+          </a:stretch>
+        </p:blipFill>
+        <p:spPr>
+          <a:xfrm>
+            <a:off x="7680973" y="3282206"/>
+            <a:ext cx="2819794" cy="1686160"/>
+          </a:xfrm>
+          <a:prstGeom prst="rect">
+            <a:avLst/>
+          </a:prstGeom>
+        </p:spPr>
+      </p:pic>
+      <p:pic>
+        <p:nvPicPr>
+          <p:cNvPr id="13" name="Picture 12">
+            <a:extLst>
+              <a:ext uri="{FF2B5EF4-FFF2-40B4-BE49-F238E27FC236}">
+                <a16:creationId xmlns:a16="http://schemas.microsoft.com/office/drawing/2014/main" id="{E194A993-F2FA-9AFF-91AC-1CE674DA4DDB}"/>
+              </a:ext>
+            </a:extLst>
+          </p:cNvPr>
+          <p:cNvPicPr>
+            <a:picLocks noChangeAspect="1"/>
+          </p:cNvPicPr>
+          <p:nvPr/>
+        </p:nvPicPr>
+        <p:blipFill>
+          <a:blip r:embed="rId6"/>
+          <a:stretch>
+            <a:fillRect/>
+          </a:stretch>
+        </p:blipFill>
+        <p:spPr>
+          <a:xfrm>
+            <a:off x="0" y="3019030"/>
+            <a:ext cx="6912528" cy="3470710"/>
+          </a:xfrm>
+          <a:prstGeom prst="rect">
+            <a:avLst/>
+          </a:prstGeom>
+        </p:spPr>
+      </p:pic>
+    </p:spTree>
+    <p:extLst>
+      <p:ext uri="{BB962C8B-B14F-4D97-AF65-F5344CB8AC3E}">
+        <p14:creationId xmlns:p14="http://schemas.microsoft.com/office/powerpoint/2010/main" val="3680636020"/>
       </p:ext>
     </p:extLst>
   </p:cSld>

--- a/notes.pptx
+++ b/notes.pptx
@@ -8,6 +8,7 @@
     <p:sldId id="256" r:id="rId2"/>
     <p:sldId id="257" r:id="rId3"/>
     <p:sldId id="258" r:id="rId4"/>
+    <p:sldId id="259" r:id="rId5"/>
   </p:sldIdLst>
   <p:sldSz cx="12192000" cy="6858000"/>
   <p:notesSz cx="6858000" cy="9144000"/>
@@ -261,7 +262,7 @@
           <a:p>
             <a:fld id="{C3BBB94B-D8C7-45FA-9CB3-68D275B17CB7}" type="datetimeFigureOut">
               <a:rPr lang="en-US" smtClean="0"/>
-              <a:t>6/10/2022</a:t>
+              <a:t>6/13/2022</a:t>
             </a:fld>
             <a:endParaRPr lang="en-US"/>
           </a:p>
@@ -459,7 +460,7 @@
           <a:p>
             <a:fld id="{C3BBB94B-D8C7-45FA-9CB3-68D275B17CB7}" type="datetimeFigureOut">
               <a:rPr lang="en-US" smtClean="0"/>
-              <a:t>6/10/2022</a:t>
+              <a:t>6/13/2022</a:t>
             </a:fld>
             <a:endParaRPr lang="en-US"/>
           </a:p>
@@ -667,7 +668,7 @@
           <a:p>
             <a:fld id="{C3BBB94B-D8C7-45FA-9CB3-68D275B17CB7}" type="datetimeFigureOut">
               <a:rPr lang="en-US" smtClean="0"/>
-              <a:t>6/10/2022</a:t>
+              <a:t>6/13/2022</a:t>
             </a:fld>
             <a:endParaRPr lang="en-US"/>
           </a:p>
@@ -865,7 +866,7 @@
           <a:p>
             <a:fld id="{C3BBB94B-D8C7-45FA-9CB3-68D275B17CB7}" type="datetimeFigureOut">
               <a:rPr lang="en-US" smtClean="0"/>
-              <a:t>6/10/2022</a:t>
+              <a:t>6/13/2022</a:t>
             </a:fld>
             <a:endParaRPr lang="en-US"/>
           </a:p>
@@ -1140,7 +1141,7 @@
           <a:p>
             <a:fld id="{C3BBB94B-D8C7-45FA-9CB3-68D275B17CB7}" type="datetimeFigureOut">
               <a:rPr lang="en-US" smtClean="0"/>
-              <a:t>6/10/2022</a:t>
+              <a:t>6/13/2022</a:t>
             </a:fld>
             <a:endParaRPr lang="en-US"/>
           </a:p>
@@ -1405,7 +1406,7 @@
           <a:p>
             <a:fld id="{C3BBB94B-D8C7-45FA-9CB3-68D275B17CB7}" type="datetimeFigureOut">
               <a:rPr lang="en-US" smtClean="0"/>
-              <a:t>6/10/2022</a:t>
+              <a:t>6/13/2022</a:t>
             </a:fld>
             <a:endParaRPr lang="en-US"/>
           </a:p>
@@ -1817,7 +1818,7 @@
           <a:p>
             <a:fld id="{C3BBB94B-D8C7-45FA-9CB3-68D275B17CB7}" type="datetimeFigureOut">
               <a:rPr lang="en-US" smtClean="0"/>
-              <a:t>6/10/2022</a:t>
+              <a:t>6/13/2022</a:t>
             </a:fld>
             <a:endParaRPr lang="en-US"/>
           </a:p>
@@ -1958,7 +1959,7 @@
           <a:p>
             <a:fld id="{C3BBB94B-D8C7-45FA-9CB3-68D275B17CB7}" type="datetimeFigureOut">
               <a:rPr lang="en-US" smtClean="0"/>
-              <a:t>6/10/2022</a:t>
+              <a:t>6/13/2022</a:t>
             </a:fld>
             <a:endParaRPr lang="en-US"/>
           </a:p>
@@ -2071,7 +2072,7 @@
           <a:p>
             <a:fld id="{C3BBB94B-D8C7-45FA-9CB3-68D275B17CB7}" type="datetimeFigureOut">
               <a:rPr lang="en-US" smtClean="0"/>
-              <a:t>6/10/2022</a:t>
+              <a:t>6/13/2022</a:t>
             </a:fld>
             <a:endParaRPr lang="en-US"/>
           </a:p>
@@ -2382,7 +2383,7 @@
           <a:p>
             <a:fld id="{C3BBB94B-D8C7-45FA-9CB3-68D275B17CB7}" type="datetimeFigureOut">
               <a:rPr lang="en-US" smtClean="0"/>
-              <a:t>6/10/2022</a:t>
+              <a:t>6/13/2022</a:t>
             </a:fld>
             <a:endParaRPr lang="en-US"/>
           </a:p>
@@ -2670,7 +2671,7 @@
           <a:p>
             <a:fld id="{C3BBB94B-D8C7-45FA-9CB3-68D275B17CB7}" type="datetimeFigureOut">
               <a:rPr lang="en-US" smtClean="0"/>
-              <a:t>6/10/2022</a:t>
+              <a:t>6/13/2022</a:t>
             </a:fld>
             <a:endParaRPr lang="en-US"/>
           </a:p>
@@ -2911,7 +2912,7 @@
           <a:p>
             <a:fld id="{C3BBB94B-D8C7-45FA-9CB3-68D275B17CB7}" type="datetimeFigureOut">
               <a:rPr lang="en-US" smtClean="0"/>
-              <a:t>6/10/2022</a:t>
+              <a:t>6/13/2022</a:t>
             </a:fld>
             <a:endParaRPr lang="en-US"/>
           </a:p>
@@ -3590,8 +3591,8 @@
         </p:blipFill>
         <p:spPr>
           <a:xfrm>
-            <a:off x="0" y="2747127"/>
-            <a:ext cx="7977930" cy="4028625"/>
+            <a:off x="0" y="3901621"/>
+            <a:ext cx="5691673" cy="2874131"/>
           </a:xfrm>
           <a:prstGeom prst="rect">
             <a:avLst/>
@@ -3646,6 +3647,36 @@
           </a:p>
         </p:txBody>
       </p:sp>
+      <p:pic>
+        <p:nvPicPr>
+          <p:cNvPr id="3" name="Picture 2">
+            <a:extLst>
+              <a:ext uri="{FF2B5EF4-FFF2-40B4-BE49-F238E27FC236}">
+                <a16:creationId xmlns:a16="http://schemas.microsoft.com/office/drawing/2014/main" id="{B428E273-80FC-CD83-80F2-5BA4875FA299}"/>
+              </a:ext>
+            </a:extLst>
+          </p:cNvPr>
+          <p:cNvPicPr>
+            <a:picLocks noChangeAspect="1"/>
+          </p:cNvPicPr>
+          <p:nvPr/>
+        </p:nvPicPr>
+        <p:blipFill>
+          <a:blip r:embed="rId7"/>
+          <a:stretch>
+            <a:fillRect/>
+          </a:stretch>
+        </p:blipFill>
+        <p:spPr>
+          <a:xfrm>
+            <a:off x="6500329" y="3872201"/>
+            <a:ext cx="5464449" cy="2759475"/>
+          </a:xfrm>
+          <a:prstGeom prst="rect">
+            <a:avLst/>
+          </a:prstGeom>
+        </p:spPr>
+      </p:pic>
     </p:spTree>
     <p:extLst>
       <p:ext uri="{BB962C8B-B14F-4D97-AF65-F5344CB8AC3E}">
@@ -3878,6 +3909,198 @@
     <p:extLst>
       <p:ext uri="{BB962C8B-B14F-4D97-AF65-F5344CB8AC3E}">
         <p14:creationId xmlns:p14="http://schemas.microsoft.com/office/powerpoint/2010/main" val="3680636020"/>
+      </p:ext>
+    </p:extLst>
+  </p:cSld>
+  <p:clrMapOvr>
+    <a:masterClrMapping/>
+  </p:clrMapOvr>
+</p:sld>
+</file>
+
+<file path=ppt/slides/slide4.xml><?xml version="1.0" encoding="utf-8"?>
+<p:sld xmlns:a="http://schemas.openxmlformats.org/drawingml/2006/main" xmlns:r="http://schemas.openxmlformats.org/officeDocument/2006/relationships" xmlns:p="http://schemas.openxmlformats.org/presentationml/2006/main">
+  <p:cSld>
+    <p:spTree>
+      <p:nvGrpSpPr>
+        <p:cNvPr id="1" name=""/>
+        <p:cNvGrpSpPr/>
+        <p:nvPr/>
+      </p:nvGrpSpPr>
+      <p:grpSpPr>
+        <a:xfrm>
+          <a:off x="0" y="0"/>
+          <a:ext cx="0" cy="0"/>
+          <a:chOff x="0" y="0"/>
+          <a:chExt cx="0" cy="0"/>
+        </a:xfrm>
+      </p:grpSpPr>
+      <p:sp>
+        <p:nvSpPr>
+          <p:cNvPr id="2" name="Title 1">
+            <a:extLst>
+              <a:ext uri="{FF2B5EF4-FFF2-40B4-BE49-F238E27FC236}">
+                <a16:creationId xmlns:a16="http://schemas.microsoft.com/office/drawing/2014/main" id="{94964097-A02E-AFCE-9088-3FC8ED2F1C8D}"/>
+              </a:ext>
+            </a:extLst>
+          </p:cNvPr>
+          <p:cNvSpPr>
+            <a:spLocks noGrp="1"/>
+          </p:cNvSpPr>
+          <p:nvPr>
+            <p:ph type="title"/>
+          </p:nvPr>
+        </p:nvSpPr>
+        <p:spPr>
+          <a:xfrm>
+            <a:off x="0" y="160209"/>
+            <a:ext cx="3976382" cy="619967"/>
+          </a:xfrm>
+        </p:spPr>
+        <p:txBody>
+          <a:bodyPr>
+            <a:normAutofit/>
+          </a:bodyPr>
+          <a:lstStyle/>
+          <a:p>
+            <a:r>
+              <a:rPr lang="en-US" sz="2400" dirty="0"/>
+              <a:t>user3</a:t>
+            </a:r>
+            <a:r>
+              <a:rPr lang="ko-KR" altLang="en-US" sz="2400" dirty="0"/>
+              <a:t>ㅅ </a:t>
+            </a:r>
+            <a:r>
+              <a:rPr lang="en-US" altLang="ko-KR" sz="2400" dirty="0"/>
+              <a:t>, resource 5</a:t>
+            </a:r>
+            <a:r>
+              <a:rPr lang="ko-KR" altLang="en-US" sz="2400" dirty="0"/>
+              <a:t>개</a:t>
+            </a:r>
+            <a:endParaRPr lang="en-US" sz="2400" dirty="0"/>
+          </a:p>
+        </p:txBody>
+      </p:sp>
+      <p:pic>
+        <p:nvPicPr>
+          <p:cNvPr id="9" name="Picture 8">
+            <a:extLst>
+              <a:ext uri="{FF2B5EF4-FFF2-40B4-BE49-F238E27FC236}">
+                <a16:creationId xmlns:a16="http://schemas.microsoft.com/office/drawing/2014/main" id="{398B0F22-704B-110F-E22C-AB36DADA824C}"/>
+              </a:ext>
+            </a:extLst>
+          </p:cNvPr>
+          <p:cNvPicPr>
+            <a:picLocks noChangeAspect="1"/>
+          </p:cNvPicPr>
+          <p:nvPr/>
+        </p:nvPicPr>
+        <p:blipFill>
+          <a:blip r:embed="rId2"/>
+          <a:stretch>
+            <a:fillRect/>
+          </a:stretch>
+        </p:blipFill>
+        <p:spPr>
+          <a:xfrm>
+            <a:off x="3671085" y="604007"/>
+            <a:ext cx="593311" cy="1704726"/>
+          </a:xfrm>
+          <a:prstGeom prst="rect">
+            <a:avLst/>
+          </a:prstGeom>
+        </p:spPr>
+      </p:pic>
+      <p:pic>
+        <p:nvPicPr>
+          <p:cNvPr id="7" name="Picture 6">
+            <a:extLst>
+              <a:ext uri="{FF2B5EF4-FFF2-40B4-BE49-F238E27FC236}">
+                <a16:creationId xmlns:a16="http://schemas.microsoft.com/office/drawing/2014/main" id="{2790056E-B6FD-1289-3572-A53FD8C22D0D}"/>
+              </a:ext>
+            </a:extLst>
+          </p:cNvPr>
+          <p:cNvPicPr>
+            <a:picLocks noChangeAspect="1"/>
+          </p:cNvPicPr>
+          <p:nvPr/>
+        </p:nvPicPr>
+        <p:blipFill>
+          <a:blip r:embed="rId3"/>
+          <a:stretch>
+            <a:fillRect/>
+          </a:stretch>
+        </p:blipFill>
+        <p:spPr>
+          <a:xfrm>
+            <a:off x="333932" y="1838130"/>
+            <a:ext cx="3188649" cy="2202416"/>
+          </a:xfrm>
+          <a:prstGeom prst="rect">
+            <a:avLst/>
+          </a:prstGeom>
+        </p:spPr>
+      </p:pic>
+      <p:sp>
+        <p:nvSpPr>
+          <p:cNvPr id="12" name="Title 1">
+            <a:extLst>
+              <a:ext uri="{FF2B5EF4-FFF2-40B4-BE49-F238E27FC236}">
+                <a16:creationId xmlns:a16="http://schemas.microsoft.com/office/drawing/2014/main" id="{C0105E2C-B2B0-9DC2-CE7D-B5159B1BD9EC}"/>
+              </a:ext>
+            </a:extLst>
+          </p:cNvPr>
+          <p:cNvSpPr txBox="1">
+            <a:spLocks/>
+          </p:cNvSpPr>
+          <p:nvPr/>
+        </p:nvSpPr>
+        <p:spPr>
+          <a:xfrm>
+            <a:off x="333932" y="1456371"/>
+            <a:ext cx="1308256" cy="531050"/>
+          </a:xfrm>
+          <a:prstGeom prst="rect">
+            <a:avLst/>
+          </a:prstGeom>
+        </p:spPr>
+        <p:txBody>
+          <a:bodyPr vert="horz" lIns="91440" tIns="45720" rIns="91440" bIns="45720" rtlCol="0" anchor="ctr">
+            <a:normAutofit/>
+          </a:bodyPr>
+          <a:lstStyle>
+            <a:lvl1pPr algn="l" defTabSz="914400" rtl="0" eaLnBrk="1" latinLnBrk="0" hangingPunct="1">
+              <a:lnSpc>
+                <a:spcPct val="90000"/>
+              </a:lnSpc>
+              <a:spcBef>
+                <a:spcPct val="0"/>
+              </a:spcBef>
+              <a:buNone/>
+              <a:defRPr sz="4400" kern="1200">
+                <a:solidFill>
+                  <a:schemeClr val="tx1"/>
+                </a:solidFill>
+                <a:latin typeface="+mj-lt"/>
+                <a:ea typeface="+mj-ea"/>
+                <a:cs typeface="+mj-cs"/>
+              </a:defRPr>
+            </a:lvl1pPr>
+          </a:lstStyle>
+          <a:p>
+            <a:r>
+              <a:rPr lang="en-US" sz="2400" dirty="0"/>
+              <a:t>seed=3</a:t>
+            </a:r>
+          </a:p>
+        </p:txBody>
+      </p:sp>
+    </p:spTree>
+    <p:extLst>
+      <p:ext uri="{BB962C8B-B14F-4D97-AF65-F5344CB8AC3E}">
+        <p14:creationId xmlns:p14="http://schemas.microsoft.com/office/powerpoint/2010/main" val="2439790355"/>
       </p:ext>
     </p:extLst>
   </p:cSld>
